--- a/Documentation/Présentation.pptx
+++ b/Documentation/Présentation.pptx
@@ -6,9 +6,9 @@
   </p:sldMasterIdLst>
   <p:sldIdLst>
     <p:sldId id="256" r:id="rId2"/>
-    <p:sldId id="257" r:id="rId3"/>
-    <p:sldId id="258" r:id="rId4"/>
-    <p:sldId id="259" r:id="rId5"/>
+    <p:sldId id="258" r:id="rId3"/>
+    <p:sldId id="259" r:id="rId4"/>
+    <p:sldId id="257" r:id="rId5"/>
   </p:sldIdLst>
   <p:sldSz cx="12192000" cy="6858000"/>
   <p:notesSz cx="6858000" cy="9144000"/>
@@ -107,6 +107,11 @@
       </a:defRPr>
     </a:lvl9pPr>
   </p:defaultTextStyle>
+  <p:extLst>
+    <p:ext uri="{EFAFB233-063F-42B5-8137-9DF3F51BA10A}">
+      <p15:sldGuideLst xmlns:p15="http://schemas.microsoft.com/office/powerpoint/2012/main"/>
+    </p:ext>
+  </p:extLst>
 </p:presentation>
 </file>
 
@@ -613,7 +618,7 @@
             <a:fld id="{B61BEF0D-F0BB-DE4B-95CE-6DB70DBA9567}" type="datetimeFigureOut">
               <a:rPr lang="en-US" dirty="0"/>
               <a:pPr/>
-              <a:t>4/11/2018</a:t>
+              <a:t>4/16/2018</a:t>
             </a:fld>
             <a:endParaRPr lang="en-US" dirty="0"/>
           </a:p>
@@ -906,7 +911,7 @@
             <a:fld id="{B61BEF0D-F0BB-DE4B-95CE-6DB70DBA9567}" type="datetimeFigureOut">
               <a:rPr lang="en-US" dirty="0"/>
               <a:pPr/>
-              <a:t>4/11/2018</a:t>
+              <a:t>4/16/2018</a:t>
             </a:fld>
             <a:endParaRPr lang="en-US" dirty="0"/>
           </a:p>
@@ -1151,7 +1156,7 @@
             <a:fld id="{B61BEF0D-F0BB-DE4B-95CE-6DB70DBA9567}" type="datetimeFigureOut">
               <a:rPr lang="en-US" dirty="0"/>
               <a:pPr/>
-              <a:t>4/11/2018</a:t>
+              <a:t>4/16/2018</a:t>
             </a:fld>
             <a:endParaRPr lang="en-US" dirty="0"/>
           </a:p>
@@ -1688,7 +1693,7 @@
             <a:fld id="{B61BEF0D-F0BB-DE4B-95CE-6DB70DBA9567}" type="datetimeFigureOut">
               <a:rPr lang="en-US" dirty="0"/>
               <a:pPr/>
-              <a:t>4/11/2018</a:t>
+              <a:t>4/16/2018</a:t>
             </a:fld>
             <a:endParaRPr lang="en-US" dirty="0"/>
           </a:p>
@@ -1933,7 +1938,7 @@
             <a:fld id="{B61BEF0D-F0BB-DE4B-95CE-6DB70DBA9567}" type="datetimeFigureOut">
               <a:rPr lang="en-US" dirty="0"/>
               <a:pPr/>
-              <a:t>4/11/2018</a:t>
+              <a:t>4/16/2018</a:t>
             </a:fld>
             <a:endParaRPr lang="en-US" dirty="0"/>
           </a:p>
@@ -2462,7 +2467,7 @@
             <a:fld id="{B61BEF0D-F0BB-DE4B-95CE-6DB70DBA9567}" type="datetimeFigureOut">
               <a:rPr lang="en-US" dirty="0"/>
               <a:pPr/>
-              <a:t>4/11/2018</a:t>
+              <a:t>4/16/2018</a:t>
             </a:fld>
             <a:endParaRPr lang="en-US" dirty="0"/>
           </a:p>
@@ -2756,7 +2761,7 @@
             <a:fld id="{B61BEF0D-F0BB-DE4B-95CE-6DB70DBA9567}" type="datetimeFigureOut">
               <a:rPr lang="en-US" dirty="0"/>
               <a:pPr/>
-              <a:t>4/11/2018</a:t>
+              <a:t>4/16/2018</a:t>
             </a:fld>
             <a:endParaRPr lang="en-US" dirty="0"/>
           </a:p>
@@ -2927,7 +2932,7 @@
             <a:fld id="{B61BEF0D-F0BB-DE4B-95CE-6DB70DBA9567}" type="datetimeFigureOut">
               <a:rPr lang="en-US" dirty="0"/>
               <a:pPr/>
-              <a:t>4/11/2018</a:t>
+              <a:t>4/16/2018</a:t>
             </a:fld>
             <a:endParaRPr lang="en-US" dirty="0"/>
           </a:p>
@@ -3104,7 +3109,7 @@
             <a:fld id="{B61BEF0D-F0BB-DE4B-95CE-6DB70DBA9567}" type="datetimeFigureOut">
               <a:rPr lang="en-US" dirty="0"/>
               <a:pPr/>
-              <a:t>4/11/2018</a:t>
+              <a:t>4/16/2018</a:t>
             </a:fld>
             <a:endParaRPr lang="en-US" dirty="0"/>
           </a:p>
@@ -3271,7 +3276,7 @@
             <a:fld id="{B61BEF0D-F0BB-DE4B-95CE-6DB70DBA9567}" type="datetimeFigureOut">
               <a:rPr lang="en-US" dirty="0"/>
               <a:pPr/>
-              <a:t>4/11/2018</a:t>
+              <a:t>4/16/2018</a:t>
             </a:fld>
             <a:endParaRPr lang="en-US" dirty="0"/>
           </a:p>
@@ -3519,7 +3524,7 @@
             <a:fld id="{B61BEF0D-F0BB-DE4B-95CE-6DB70DBA9567}" type="datetimeFigureOut">
               <a:rPr lang="en-US" dirty="0"/>
               <a:pPr/>
-              <a:t>4/11/2018</a:t>
+              <a:t>4/16/2018</a:t>
             </a:fld>
             <a:endParaRPr lang="en-US" dirty="0"/>
           </a:p>
@@ -3813,7 +3818,7 @@
             <a:fld id="{B61BEF0D-F0BB-DE4B-95CE-6DB70DBA9567}" type="datetimeFigureOut">
               <a:rPr lang="en-US" dirty="0"/>
               <a:pPr/>
-              <a:t>4/11/2018</a:t>
+              <a:t>4/16/2018</a:t>
             </a:fld>
             <a:endParaRPr lang="en-US" dirty="0"/>
           </a:p>
@@ -4252,7 +4257,7 @@
             <a:fld id="{B61BEF0D-F0BB-DE4B-95CE-6DB70DBA9567}" type="datetimeFigureOut">
               <a:rPr lang="en-US" dirty="0"/>
               <a:pPr/>
-              <a:t>4/11/2018</a:t>
+              <a:t>4/16/2018</a:t>
             </a:fld>
             <a:endParaRPr lang="en-US" dirty="0"/>
           </a:p>
@@ -4367,7 +4372,7 @@
             <a:fld id="{B61BEF0D-F0BB-DE4B-95CE-6DB70DBA9567}" type="datetimeFigureOut">
               <a:rPr lang="en-US" dirty="0"/>
               <a:pPr/>
-              <a:t>4/11/2018</a:t>
+              <a:t>4/16/2018</a:t>
             </a:fld>
             <a:endParaRPr lang="en-US" dirty="0"/>
           </a:p>
@@ -4459,7 +4464,7 @@
             <a:fld id="{B61BEF0D-F0BB-DE4B-95CE-6DB70DBA9567}" type="datetimeFigureOut">
               <a:rPr lang="en-US" dirty="0"/>
               <a:pPr/>
-              <a:t>4/11/2018</a:t>
+              <a:t>4/16/2018</a:t>
             </a:fld>
             <a:endParaRPr lang="en-US" dirty="0"/>
           </a:p>
@@ -4739,7 +4744,7 @@
             <a:fld id="{B61BEF0D-F0BB-DE4B-95CE-6DB70DBA9567}" type="datetimeFigureOut">
               <a:rPr lang="en-US" dirty="0"/>
               <a:pPr/>
-              <a:t>4/11/2018</a:t>
+              <a:t>4/16/2018</a:t>
             </a:fld>
             <a:endParaRPr lang="en-US" dirty="0"/>
           </a:p>
@@ -5027,7 +5032,7 @@
             <a:fld id="{B61BEF0D-F0BB-DE4B-95CE-6DB70DBA9567}" type="datetimeFigureOut">
               <a:rPr lang="en-US" dirty="0"/>
               <a:pPr/>
-              <a:t>4/11/2018</a:t>
+              <a:t>4/16/2018</a:t>
             </a:fld>
             <a:endParaRPr lang="en-US" dirty="0"/>
           </a:p>
@@ -5554,7 +5559,7 @@
             <a:fld id="{B61BEF0D-F0BB-DE4B-95CE-6DB70DBA9567}" type="datetimeFigureOut">
               <a:rPr lang="en-US" dirty="0"/>
               <a:pPr/>
-              <a:t>4/11/2018</a:t>
+              <a:t>4/16/2018</a:t>
             </a:fld>
             <a:endParaRPr lang="en-US" dirty="0"/>
           </a:p>
@@ -6104,11 +6109,11 @@
           <a:p>
             <a:r>
               <a:rPr lang="fr-FR" dirty="0"/>
-              <a:t>Planificateur de </a:t>
-            </a:r>
-            <a:r>
-              <a:rPr lang="fr-FR" dirty="0" err="1"/>
-              <a:t>RoadTrip</a:t>
+              <a:t>Planificateur </a:t>
+            </a:r>
+            <a:r>
+              <a:rPr lang="fr-FR"/>
+              <a:t>de Road Trip</a:t>
             </a:r>
             <a:endParaRPr lang="fr-FR" dirty="0"/>
           </a:p>
@@ -6177,7 +6182,7 @@
           <p:cNvPr id="2" name="Titre 1">
             <a:extLst>
               <a:ext uri="{FF2B5EF4-FFF2-40B4-BE49-F238E27FC236}">
-                <a16:creationId xmlns:a16="http://schemas.microsoft.com/office/drawing/2014/main" id="{9EDC4737-64EC-4DBE-AC06-B501844C710B}"/>
+                <a16:creationId xmlns:a16="http://schemas.microsoft.com/office/drawing/2014/main" id="{15DE1524-33AA-4386-BE8D-62F390368B4D}"/>
               </a:ext>
             </a:extLst>
           </p:cNvPr>
@@ -6193,39 +6198,53 @@
           <a:bodyPr/>
           <a:lstStyle/>
           <a:p>
-            <a:endParaRPr lang="fr-FR"/>
-          </a:p>
-        </p:txBody>
-      </p:sp>
-      <p:sp>
-        <p:nvSpPr>
-          <p:cNvPr id="3" name="Espace réservé du contenu 2">
+            <a:r>
+              <a:rPr lang="fr-FR" dirty="0"/>
+              <a:t>Planificateur de Road Trip</a:t>
+            </a:r>
+          </a:p>
+        </p:txBody>
+      </p:sp>
+      <p:pic>
+        <p:nvPicPr>
+          <p:cNvPr id="5" name="Espace réservé du contenu 4">
             <a:extLst>
               <a:ext uri="{FF2B5EF4-FFF2-40B4-BE49-F238E27FC236}">
-                <a16:creationId xmlns:a16="http://schemas.microsoft.com/office/drawing/2014/main" id="{0218D855-442C-4EF6-AE79-BCF745C3BB76}"/>
+                <a16:creationId xmlns:a16="http://schemas.microsoft.com/office/drawing/2014/main" id="{68A88979-DA5C-4231-8948-3EA268832800}"/>
               </a:ext>
             </a:extLst>
           </p:cNvPr>
-          <p:cNvSpPr>
-            <a:spLocks noGrp="1"/>
-          </p:cNvSpPr>
+          <p:cNvPicPr>
+            <a:picLocks noGrp="1" noChangeAspect="1"/>
+          </p:cNvPicPr>
           <p:nvPr>
             <p:ph idx="1"/>
           </p:nvPr>
-        </p:nvSpPr>
-        <p:spPr/>
-        <p:txBody>
-          <a:bodyPr/>
-          <a:lstStyle/>
-          <a:p>
-            <a:endParaRPr lang="fr-FR"/>
-          </a:p>
-        </p:txBody>
-      </p:sp>
+        </p:nvPicPr>
+        <p:blipFill>
+          <a:blip r:embed="rId2"/>
+          <a:stretch>
+            <a:fillRect/>
+          </a:stretch>
+        </p:blipFill>
+        <p:spPr>
+          <a:xfrm>
+            <a:off x="4410869" y="2667000"/>
+            <a:ext cx="4165600" cy="3124200"/>
+          </a:xfrm>
+          <a:effectLst>
+            <a:outerShdw blurRad="50800" dist="38100" dir="2700000" algn="tl" rotWithShape="0">
+              <a:prstClr val="black">
+                <a:alpha val="40000"/>
+              </a:prstClr>
+            </a:outerShdw>
+          </a:effectLst>
+        </p:spPr>
+      </p:pic>
     </p:spTree>
     <p:extLst>
       <p:ext uri="{BB962C8B-B14F-4D97-AF65-F5344CB8AC3E}">
-        <p14:creationId xmlns:p14="http://schemas.microsoft.com/office/powerpoint/2010/main" val="2124167498"/>
+        <p14:creationId xmlns:p14="http://schemas.microsoft.com/office/powerpoint/2010/main" val="2252689255"/>
       </p:ext>
     </p:extLst>
   </p:cSld>
@@ -6257,7 +6276,7 @@
           <p:cNvPr id="2" name="Titre 1">
             <a:extLst>
               <a:ext uri="{FF2B5EF4-FFF2-40B4-BE49-F238E27FC236}">
-                <a16:creationId xmlns:a16="http://schemas.microsoft.com/office/drawing/2014/main" id="{15DE1524-33AA-4386-BE8D-62F390368B4D}"/>
+                <a16:creationId xmlns:a16="http://schemas.microsoft.com/office/drawing/2014/main" id="{F928C4E2-558E-448F-B463-73C70BE32708}"/>
               </a:ext>
             </a:extLst>
           </p:cNvPr>
@@ -6273,7 +6292,10 @@
           <a:bodyPr/>
           <a:lstStyle/>
           <a:p>
-            <a:endParaRPr lang="fr-FR"/>
+            <a:r>
+              <a:rPr lang="fr-FR" dirty="0"/>
+              <a:t>Planificateur de Road Trip</a:t>
+            </a:r>
           </a:p>
         </p:txBody>
       </p:sp>
@@ -6282,7 +6304,7 @@
           <p:cNvPr id="5" name="Espace réservé du contenu 4">
             <a:extLst>
               <a:ext uri="{FF2B5EF4-FFF2-40B4-BE49-F238E27FC236}">
-                <a16:creationId xmlns:a16="http://schemas.microsoft.com/office/drawing/2014/main" id="{68A88979-DA5C-4231-8948-3EA268832800}"/>
+                <a16:creationId xmlns:a16="http://schemas.microsoft.com/office/drawing/2014/main" id="{F2D3A9C8-0844-48BA-A878-1FA34EDA32F3}"/>
               </a:ext>
             </a:extLst>
           </p:cNvPr>
@@ -6301,15 +6323,22 @@
         </p:blipFill>
         <p:spPr>
           <a:xfrm>
-            <a:off x="4410869" y="2667000"/>
-            <a:ext cx="4165600" cy="3124200"/>
+            <a:off x="3513492" y="2667000"/>
+            <a:ext cx="5960353" cy="3124200"/>
           </a:xfrm>
+          <a:effectLst>
+            <a:outerShdw blurRad="50800" dist="38100" dir="2700000" algn="tl" rotWithShape="0">
+              <a:prstClr val="black">
+                <a:alpha val="40000"/>
+              </a:prstClr>
+            </a:outerShdw>
+          </a:effectLst>
         </p:spPr>
       </p:pic>
     </p:spTree>
     <p:extLst>
       <p:ext uri="{BB962C8B-B14F-4D97-AF65-F5344CB8AC3E}">
-        <p14:creationId xmlns:p14="http://schemas.microsoft.com/office/powerpoint/2010/main" val="2252689255"/>
+        <p14:creationId xmlns:p14="http://schemas.microsoft.com/office/powerpoint/2010/main" val="3534487778"/>
       </p:ext>
     </p:extLst>
   </p:cSld>
@@ -6341,7 +6370,7 @@
           <p:cNvPr id="2" name="Titre 1">
             <a:extLst>
               <a:ext uri="{FF2B5EF4-FFF2-40B4-BE49-F238E27FC236}">
-                <a16:creationId xmlns:a16="http://schemas.microsoft.com/office/drawing/2014/main" id="{F928C4E2-558E-448F-B463-73C70BE32708}"/>
+                <a16:creationId xmlns:a16="http://schemas.microsoft.com/office/drawing/2014/main" id="{9EDC4737-64EC-4DBE-AC06-B501844C710B}"/>
               </a:ext>
             </a:extLst>
           </p:cNvPr>
@@ -6357,43 +6386,170 @@
           <a:bodyPr/>
           <a:lstStyle/>
           <a:p>
-            <a:endParaRPr lang="fr-FR"/>
-          </a:p>
-        </p:txBody>
-      </p:sp>
-      <p:pic>
-        <p:nvPicPr>
-          <p:cNvPr id="5" name="Espace réservé du contenu 4">
+            <a:r>
+              <a:rPr lang="fr-FR" dirty="0"/>
+              <a:t>Planificateur de Road Trip</a:t>
+            </a:r>
+            <a:br>
+              <a:rPr lang="fr-FR" dirty="0"/>
+            </a:br>
+            <a:r>
+              <a:rPr lang="fr-FR" sz="2800" dirty="0"/>
+              <a:t>Technologies utilisées</a:t>
+            </a:r>
+            <a:endParaRPr lang="fr-FR" dirty="0"/>
+          </a:p>
+        </p:txBody>
+      </p:sp>
+      <p:sp>
+        <p:nvSpPr>
+          <p:cNvPr id="4" name="Rectangle : coins arrondis 3">
             <a:extLst>
               <a:ext uri="{FF2B5EF4-FFF2-40B4-BE49-F238E27FC236}">
-                <a16:creationId xmlns:a16="http://schemas.microsoft.com/office/drawing/2014/main" id="{F2D3A9C8-0844-48BA-A878-1FA34EDA32F3}"/>
+                <a16:creationId xmlns:a16="http://schemas.microsoft.com/office/drawing/2014/main" id="{89935D43-059F-459D-A5A9-E5F02AD4E7A3}"/>
               </a:ext>
             </a:extLst>
           </p:cNvPr>
-          <p:cNvPicPr>
-            <a:picLocks noGrp="1" noChangeAspect="1"/>
-          </p:cNvPicPr>
-          <p:nvPr>
-            <p:ph idx="1"/>
-          </p:nvPr>
-        </p:nvPicPr>
-        <p:blipFill>
-          <a:blip r:embed="rId2"/>
-          <a:stretch>
-            <a:fillRect/>
-          </a:stretch>
-        </p:blipFill>
+          <p:cNvSpPr/>
+          <p:nvPr/>
+        </p:nvSpPr>
         <p:spPr>
           <a:xfrm>
-            <a:off x="3513492" y="2667000"/>
-            <a:ext cx="5960353" cy="3124200"/>
+            <a:off x="1979803" y="3200050"/>
+            <a:ext cx="3238150" cy="1066101"/>
           </a:xfrm>
+          <a:prstGeom prst="roundRect">
+            <a:avLst/>
+          </a:prstGeom>
+          <a:effectLst>
+            <a:outerShdw blurRad="50800" dist="38100" dir="2700000" algn="tl" rotWithShape="0">
+              <a:prstClr val="black">
+                <a:alpha val="40000"/>
+              </a:prstClr>
+            </a:outerShdw>
+          </a:effectLst>
         </p:spPr>
-      </p:pic>
+        <p:style>
+          <a:lnRef idx="2">
+            <a:schemeClr val="accent1"/>
+          </a:lnRef>
+          <a:fillRef idx="1">
+            <a:schemeClr val="lt1"/>
+          </a:fillRef>
+          <a:effectRef idx="0">
+            <a:schemeClr val="accent1"/>
+          </a:effectRef>
+          <a:fontRef idx="minor">
+            <a:schemeClr val="dk1"/>
+          </a:fontRef>
+        </p:style>
+        <p:txBody>
+          <a:bodyPr rtlCol="0" anchor="t"/>
+          <a:lstStyle/>
+          <a:p>
+            <a:pPr algn="ctr"/>
+            <a:r>
+              <a:rPr lang="fr-FR" dirty="0"/>
+              <a:t>Frontend</a:t>
+            </a:r>
+          </a:p>
+          <a:p>
+            <a:pPr algn="ctr"/>
+            <a:endParaRPr lang="fr-FR" dirty="0"/>
+          </a:p>
+          <a:p>
+            <a:pPr marL="285750" indent="-285750">
+              <a:buFontTx/>
+              <a:buChar char="-"/>
+            </a:pPr>
+            <a:r>
+              <a:rPr lang="fr-FR" dirty="0" err="1"/>
+              <a:t>Angular</a:t>
+            </a:r>
+            <a:r>
+              <a:rPr lang="fr-FR" dirty="0"/>
+              <a:t> JS</a:t>
+            </a:r>
+          </a:p>
+        </p:txBody>
+      </p:sp>
+      <p:sp>
+        <p:nvSpPr>
+          <p:cNvPr id="5" name="Rectangle : coins arrondis 4">
+            <a:extLst>
+              <a:ext uri="{FF2B5EF4-FFF2-40B4-BE49-F238E27FC236}">
+                <a16:creationId xmlns:a16="http://schemas.microsoft.com/office/drawing/2014/main" id="{FF09926C-83A7-49B3-BCE9-36B3FB0E27AD}"/>
+              </a:ext>
+            </a:extLst>
+          </p:cNvPr>
+          <p:cNvSpPr/>
+          <p:nvPr/>
+        </p:nvSpPr>
+        <p:spPr>
+          <a:xfrm>
+            <a:off x="6974047" y="3200050"/>
+            <a:ext cx="3238150" cy="1066101"/>
+          </a:xfrm>
+          <a:prstGeom prst="roundRect">
+            <a:avLst/>
+          </a:prstGeom>
+          <a:effectLst>
+            <a:outerShdw blurRad="50800" dist="38100" dir="2700000" algn="tl" rotWithShape="0">
+              <a:prstClr val="black">
+                <a:alpha val="40000"/>
+              </a:prstClr>
+            </a:outerShdw>
+          </a:effectLst>
+        </p:spPr>
+        <p:style>
+          <a:lnRef idx="2">
+            <a:schemeClr val="accent1"/>
+          </a:lnRef>
+          <a:fillRef idx="1">
+            <a:schemeClr val="lt1"/>
+          </a:fillRef>
+          <a:effectRef idx="0">
+            <a:schemeClr val="accent1"/>
+          </a:effectRef>
+          <a:fontRef idx="minor">
+            <a:schemeClr val="dk1"/>
+          </a:fontRef>
+        </p:style>
+        <p:txBody>
+          <a:bodyPr rtlCol="0" anchor="t"/>
+          <a:lstStyle/>
+          <a:p>
+            <a:pPr algn="ctr"/>
+            <a:r>
+              <a:rPr lang="fr-FR" dirty="0"/>
+              <a:t>Backend</a:t>
+            </a:r>
+          </a:p>
+          <a:p>
+            <a:pPr algn="ctr"/>
+            <a:endParaRPr lang="fr-FR" dirty="0"/>
+          </a:p>
+          <a:p>
+            <a:pPr marL="285750" indent="-285750">
+              <a:buFontTx/>
+              <a:buChar char="-"/>
+            </a:pPr>
+            <a:r>
+              <a:rPr lang="fr-FR" dirty="0"/>
+              <a:t>C# avec .net </a:t>
+            </a:r>
+            <a:r>
+              <a:rPr lang="fr-FR" dirty="0" err="1"/>
+              <a:t>core</a:t>
+            </a:r>
+            <a:endParaRPr lang="fr-FR" dirty="0"/>
+          </a:p>
+        </p:txBody>
+      </p:sp>
     </p:spTree>
     <p:extLst>
       <p:ext uri="{BB962C8B-B14F-4D97-AF65-F5344CB8AC3E}">
-        <p14:creationId xmlns:p14="http://schemas.microsoft.com/office/powerpoint/2010/main" val="3534487778"/>
+        <p14:creationId xmlns:p14="http://schemas.microsoft.com/office/powerpoint/2010/main" val="2124167498"/>
       </p:ext>
     </p:extLst>
   </p:cSld>

--- a/Documentation/Présentation.pptx
+++ b/Documentation/Présentation.pptx
@@ -6,9 +6,11 @@
   </p:sldMasterIdLst>
   <p:sldIdLst>
     <p:sldId id="256" r:id="rId2"/>
-    <p:sldId id="258" r:id="rId3"/>
-    <p:sldId id="259" r:id="rId4"/>
-    <p:sldId id="257" r:id="rId5"/>
+    <p:sldId id="261" r:id="rId3"/>
+    <p:sldId id="258" r:id="rId4"/>
+    <p:sldId id="259" r:id="rId5"/>
+    <p:sldId id="257" r:id="rId6"/>
+    <p:sldId id="260" r:id="rId7"/>
   </p:sldIdLst>
   <p:sldSz cx="12192000" cy="6858000"/>
   <p:notesSz cx="6858000" cy="9144000"/>
@@ -6147,6 +6149,93 @@
           </a:p>
         </p:txBody>
       </p:sp>
+      <p:sp>
+        <p:nvSpPr>
+          <p:cNvPr id="4" name="ZoneTexte 3">
+            <a:extLst>
+              <a:ext uri="{FF2B5EF4-FFF2-40B4-BE49-F238E27FC236}">
+                <a16:creationId xmlns:a16="http://schemas.microsoft.com/office/drawing/2014/main" id="{2EF6C238-DC27-42C4-A04C-0A449DCE14B3}"/>
+              </a:ext>
+            </a:extLst>
+          </p:cNvPr>
+          <p:cNvSpPr txBox="1"/>
+          <p:nvPr/>
+        </p:nvSpPr>
+        <p:spPr>
+          <a:xfrm>
+            <a:off x="226503" y="5903893"/>
+            <a:ext cx="1333507" cy="954107"/>
+          </a:xfrm>
+          <a:prstGeom prst="rect">
+            <a:avLst/>
+          </a:prstGeom>
+          <a:noFill/>
+        </p:spPr>
+        <p:txBody>
+          <a:bodyPr wrap="none" rtlCol="0">
+            <a:spAutoFit/>
+          </a:bodyPr>
+          <a:lstStyle/>
+          <a:p>
+            <a:r>
+              <a:rPr lang="fr-FR" sz="1400" dirty="0">
+                <a:latin typeface="Calibri Light" panose="020F0302020204030204" pitchFamily="34" charset="0"/>
+                <a:cs typeface="Calibri Light" panose="020F0302020204030204" pitchFamily="34" charset="0"/>
+              </a:rPr>
+              <a:t>Alban Fourfooz</a:t>
+            </a:r>
+          </a:p>
+          <a:p>
+            <a:r>
+              <a:rPr lang="fr-FR" sz="1400" dirty="0">
+                <a:latin typeface="Calibri Light" panose="020F0302020204030204" pitchFamily="34" charset="0"/>
+                <a:cs typeface="Calibri Light" panose="020F0302020204030204" pitchFamily="34" charset="0"/>
+              </a:rPr>
+              <a:t>Axel </a:t>
+            </a:r>
+            <a:r>
+              <a:rPr lang="fr-FR" sz="1400" dirty="0" err="1">
+                <a:latin typeface="Calibri Light" panose="020F0302020204030204" pitchFamily="34" charset="0"/>
+                <a:cs typeface="Calibri Light" panose="020F0302020204030204" pitchFamily="34" charset="0"/>
+              </a:rPr>
+              <a:t>Houlès</a:t>
+            </a:r>
+            <a:endParaRPr lang="fr-FR" sz="1400" dirty="0">
+              <a:latin typeface="Calibri Light" panose="020F0302020204030204" pitchFamily="34" charset="0"/>
+              <a:cs typeface="Calibri Light" panose="020F0302020204030204" pitchFamily="34" charset="0"/>
+            </a:endParaRPr>
+          </a:p>
+          <a:p>
+            <a:r>
+              <a:rPr lang="fr-FR" sz="1400" dirty="0">
+                <a:latin typeface="Calibri Light" panose="020F0302020204030204" pitchFamily="34" charset="0"/>
+                <a:cs typeface="Calibri Light" panose="020F0302020204030204" pitchFamily="34" charset="0"/>
+              </a:rPr>
+              <a:t>Hugo Fournier</a:t>
+            </a:r>
+          </a:p>
+          <a:p>
+            <a:r>
+              <a:rPr lang="fr-FR" sz="1400" dirty="0">
+                <a:latin typeface="Calibri Light" panose="020F0302020204030204" pitchFamily="34" charset="0"/>
+                <a:cs typeface="Calibri Light" panose="020F0302020204030204" pitchFamily="34" charset="0"/>
+              </a:rPr>
+              <a:t>Thomas </a:t>
+            </a:r>
+            <a:r>
+              <a:rPr lang="fr-FR" sz="1400" dirty="0" err="1">
+                <a:latin typeface="Calibri Light" panose="020F0302020204030204" pitchFamily="34" charset="0"/>
+                <a:cs typeface="Calibri Light" panose="020F0302020204030204" pitchFamily="34" charset="0"/>
+              </a:rPr>
+              <a:t>Yzavard</a:t>
+            </a:r>
+            <a:endParaRPr lang="fr-FR" sz="1400" dirty="0">
+              <a:latin typeface="Calibri Light" panose="020F0302020204030204" pitchFamily="34" charset="0"/>
+              <a:cs typeface="Calibri Light" panose="020F0302020204030204" pitchFamily="34" charset="0"/>
+            </a:endParaRPr>
+          </a:p>
+        </p:txBody>
+      </p:sp>
     </p:spTree>
     <p:extLst>
       <p:ext uri="{BB962C8B-B14F-4D97-AF65-F5344CB8AC3E}">
@@ -6182,7 +6271,7 @@
           <p:cNvPr id="2" name="Titre 1">
             <a:extLst>
               <a:ext uri="{FF2B5EF4-FFF2-40B4-BE49-F238E27FC236}">
-                <a16:creationId xmlns:a16="http://schemas.microsoft.com/office/drawing/2014/main" id="{15DE1524-33AA-4386-BE8D-62F390368B4D}"/>
+                <a16:creationId xmlns:a16="http://schemas.microsoft.com/office/drawing/2014/main" id="{E331BE60-87F2-4599-9CF1-3A86AD0AEA49}"/>
               </a:ext>
             </a:extLst>
           </p:cNvPr>
@@ -6200,51 +6289,61 @@
           <a:p>
             <a:r>
               <a:rPr lang="fr-FR" dirty="0"/>
-              <a:t>Planificateur de Road Trip</a:t>
-            </a:r>
-          </a:p>
-        </p:txBody>
-      </p:sp>
-      <p:pic>
-        <p:nvPicPr>
-          <p:cNvPr id="5" name="Espace réservé du contenu 4">
+              <a:t>Cas d’utilisation</a:t>
+            </a:r>
+          </a:p>
+        </p:txBody>
+      </p:sp>
+      <p:sp>
+        <p:nvSpPr>
+          <p:cNvPr id="3" name="Espace réservé du contenu 2">
             <a:extLst>
               <a:ext uri="{FF2B5EF4-FFF2-40B4-BE49-F238E27FC236}">
-                <a16:creationId xmlns:a16="http://schemas.microsoft.com/office/drawing/2014/main" id="{68A88979-DA5C-4231-8948-3EA268832800}"/>
+                <a16:creationId xmlns:a16="http://schemas.microsoft.com/office/drawing/2014/main" id="{2627C5ED-2B75-42DA-A6BB-8F44AA481D16}"/>
               </a:ext>
             </a:extLst>
           </p:cNvPr>
-          <p:cNvPicPr>
-            <a:picLocks noGrp="1" noChangeAspect="1"/>
-          </p:cNvPicPr>
+          <p:cNvSpPr>
+            <a:spLocks noGrp="1"/>
+          </p:cNvSpPr>
           <p:nvPr>
             <p:ph idx="1"/>
           </p:nvPr>
-        </p:nvPicPr>
-        <p:blipFill>
-          <a:blip r:embed="rId2"/>
-          <a:stretch>
-            <a:fillRect/>
-          </a:stretch>
-        </p:blipFill>
-        <p:spPr>
-          <a:xfrm>
-            <a:off x="4410869" y="2667000"/>
-            <a:ext cx="4165600" cy="3124200"/>
-          </a:xfrm>
-          <a:effectLst>
-            <a:outerShdw blurRad="50800" dist="38100" dir="2700000" algn="tl" rotWithShape="0">
-              <a:prstClr val="black">
-                <a:alpha val="40000"/>
-              </a:prstClr>
-            </a:outerShdw>
-          </a:effectLst>
-        </p:spPr>
-      </p:pic>
+        </p:nvSpPr>
+        <p:spPr/>
+        <p:txBody>
+          <a:bodyPr/>
+          <a:lstStyle/>
+          <a:p>
+            <a:r>
+              <a:rPr lang="fr-FR" dirty="0"/>
+              <a:t>Créer un road trip</a:t>
+            </a:r>
+          </a:p>
+          <a:p>
+            <a:r>
+              <a:rPr lang="fr-FR" dirty="0"/>
+              <a:t>Le partager pour y contribuer à plusieurs</a:t>
+            </a:r>
+          </a:p>
+          <a:p>
+            <a:r>
+              <a:rPr lang="fr-FR" dirty="0"/>
+              <a:t>Ajouter des étapes, des activités et visites</a:t>
+            </a:r>
+          </a:p>
+          <a:p>
+            <a:r>
+              <a:rPr lang="fr-FR" dirty="0"/>
+              <a:t>Créer ou éditer un de ses voyages</a:t>
+            </a:r>
+          </a:p>
+        </p:txBody>
+      </p:sp>
     </p:spTree>
     <p:extLst>
       <p:ext uri="{BB962C8B-B14F-4D97-AF65-F5344CB8AC3E}">
-        <p14:creationId xmlns:p14="http://schemas.microsoft.com/office/powerpoint/2010/main" val="2252689255"/>
+        <p14:creationId xmlns:p14="http://schemas.microsoft.com/office/powerpoint/2010/main" val="1731009183"/>
       </p:ext>
     </p:extLst>
   </p:cSld>
@@ -6276,6 +6375,107 @@
           <p:cNvPr id="2" name="Titre 1">
             <a:extLst>
               <a:ext uri="{FF2B5EF4-FFF2-40B4-BE49-F238E27FC236}">
+                <a16:creationId xmlns:a16="http://schemas.microsoft.com/office/drawing/2014/main" id="{15DE1524-33AA-4386-BE8D-62F390368B4D}"/>
+              </a:ext>
+            </a:extLst>
+          </p:cNvPr>
+          <p:cNvSpPr>
+            <a:spLocks noGrp="1"/>
+          </p:cNvSpPr>
+          <p:nvPr>
+            <p:ph type="title"/>
+          </p:nvPr>
+        </p:nvSpPr>
+        <p:spPr/>
+        <p:txBody>
+          <a:bodyPr/>
+          <a:lstStyle/>
+          <a:p>
+            <a:r>
+              <a:rPr lang="fr-FR" dirty="0"/>
+              <a:t>Planificateur de Road Trip</a:t>
+            </a:r>
+            <a:br>
+              <a:rPr lang="fr-FR" dirty="0"/>
+            </a:br>
+            <a:r>
+              <a:rPr lang="fr-FR" sz="2800" dirty="0"/>
+              <a:t>Maquette</a:t>
+            </a:r>
+            <a:endParaRPr lang="fr-FR" dirty="0"/>
+          </a:p>
+        </p:txBody>
+      </p:sp>
+      <p:pic>
+        <p:nvPicPr>
+          <p:cNvPr id="5" name="Espace réservé du contenu 4">
+            <a:extLst>
+              <a:ext uri="{FF2B5EF4-FFF2-40B4-BE49-F238E27FC236}">
+                <a16:creationId xmlns:a16="http://schemas.microsoft.com/office/drawing/2014/main" id="{68A88979-DA5C-4231-8948-3EA268832800}"/>
+              </a:ext>
+            </a:extLst>
+          </p:cNvPr>
+          <p:cNvPicPr>
+            <a:picLocks noGrp="1" noChangeAspect="1"/>
+          </p:cNvPicPr>
+          <p:nvPr>
+            <p:ph idx="1"/>
+          </p:nvPr>
+        </p:nvPicPr>
+        <p:blipFill rotWithShape="1">
+          <a:blip r:embed="rId2"/>
+          <a:srcRect l="11052" t="10601" r="8506" b="10745"/>
+          <a:stretch/>
+        </p:blipFill>
+        <p:spPr>
+          <a:xfrm>
+            <a:off x="3524523" y="2237766"/>
+            <a:ext cx="5950460" cy="4363672"/>
+          </a:xfrm>
+          <a:effectLst>
+            <a:outerShdw blurRad="50800" dist="38100" dir="2700000" algn="tl" rotWithShape="0">
+              <a:prstClr val="black">
+                <a:alpha val="40000"/>
+              </a:prstClr>
+            </a:outerShdw>
+          </a:effectLst>
+        </p:spPr>
+      </p:pic>
+    </p:spTree>
+    <p:extLst>
+      <p:ext uri="{BB962C8B-B14F-4D97-AF65-F5344CB8AC3E}">
+        <p14:creationId xmlns:p14="http://schemas.microsoft.com/office/powerpoint/2010/main" val="2252689255"/>
+      </p:ext>
+    </p:extLst>
+  </p:cSld>
+  <p:clrMapOvr>
+    <a:masterClrMapping/>
+  </p:clrMapOvr>
+</p:sld>
+</file>
+
+<file path=ppt/slides/slide4.xml><?xml version="1.0" encoding="utf-8"?>
+<p:sld xmlns:a="http://schemas.openxmlformats.org/drawingml/2006/main" xmlns:r="http://schemas.openxmlformats.org/officeDocument/2006/relationships" xmlns:p="http://schemas.openxmlformats.org/presentationml/2006/main">
+  <p:cSld>
+    <p:spTree>
+      <p:nvGrpSpPr>
+        <p:cNvPr id="1" name=""/>
+        <p:cNvGrpSpPr/>
+        <p:nvPr/>
+      </p:nvGrpSpPr>
+      <p:grpSpPr>
+        <a:xfrm>
+          <a:off x="0" y="0"/>
+          <a:ext cx="0" cy="0"/>
+          <a:chOff x="0" y="0"/>
+          <a:chExt cx="0" cy="0"/>
+        </a:xfrm>
+      </p:grpSpPr>
+      <p:sp>
+        <p:nvSpPr>
+          <p:cNvPr id="2" name="Titre 1">
+            <a:extLst>
+              <a:ext uri="{FF2B5EF4-FFF2-40B4-BE49-F238E27FC236}">
                 <a16:creationId xmlns:a16="http://schemas.microsoft.com/office/drawing/2014/main" id="{F928C4E2-558E-448F-B463-73C70BE32708}"/>
               </a:ext>
             </a:extLst>
@@ -6296,6 +6496,14 @@
               <a:rPr lang="fr-FR" dirty="0"/>
               <a:t>Planificateur de Road Trip</a:t>
             </a:r>
+            <a:br>
+              <a:rPr lang="fr-FR" dirty="0"/>
+            </a:br>
+            <a:r>
+              <a:rPr lang="fr-FR" sz="2800" dirty="0"/>
+              <a:t>Base de données</a:t>
+            </a:r>
+            <a:endParaRPr lang="fr-FR" dirty="0"/>
           </a:p>
         </p:txBody>
       </p:sp>
@@ -6315,16 +6523,15 @@
             <p:ph idx="1"/>
           </p:nvPr>
         </p:nvPicPr>
-        <p:blipFill>
+        <p:blipFill rotWithShape="1">
           <a:blip r:embed="rId2"/>
-          <a:stretch>
-            <a:fillRect/>
-          </a:stretch>
+          <a:srcRect r="6453" b="27477"/>
+          <a:stretch/>
         </p:blipFill>
         <p:spPr>
           <a:xfrm>
-            <a:off x="3513492" y="2667000"/>
-            <a:ext cx="5960353" cy="3124200"/>
+            <a:off x="2467050" y="2583110"/>
+            <a:ext cx="8625839" cy="3505200"/>
           </a:xfrm>
           <a:effectLst>
             <a:outerShdw blurRad="50800" dist="38100" dir="2700000" algn="tl" rotWithShape="0">
@@ -6348,7 +6555,7 @@
 </p:sld>
 </file>
 
-<file path=ppt/slides/slide4.xml><?xml version="1.0" encoding="utf-8"?>
+<file path=ppt/slides/slide5.xml><?xml version="1.0" encoding="utf-8"?>
 <p:sld xmlns:a="http://schemas.openxmlformats.org/drawingml/2006/main" xmlns:r="http://schemas.openxmlformats.org/officeDocument/2006/relationships" xmlns:p="http://schemas.openxmlformats.org/presentationml/2006/main">
   <p:cSld>
     <p:spTree>
@@ -6468,7 +6675,7 @@
             </a:r>
             <a:r>
               <a:rPr lang="fr-FR" dirty="0"/>
-              <a:t> JS</a:t>
+              <a:t> 5</a:t>
             </a:r>
           </a:p>
         </p:txBody>
@@ -6488,6 +6695,155 @@
         <p:spPr>
           <a:xfrm>
             <a:off x="6974047" y="3200050"/>
+            <a:ext cx="3238150" cy="1321616"/>
+          </a:xfrm>
+          <a:prstGeom prst="roundRect">
+            <a:avLst/>
+          </a:prstGeom>
+          <a:effectLst>
+            <a:outerShdw blurRad="50800" dist="38100" dir="2700000" algn="tl" rotWithShape="0">
+              <a:prstClr val="black">
+                <a:alpha val="40000"/>
+              </a:prstClr>
+            </a:outerShdw>
+          </a:effectLst>
+        </p:spPr>
+        <p:style>
+          <a:lnRef idx="2">
+            <a:schemeClr val="accent1"/>
+          </a:lnRef>
+          <a:fillRef idx="1">
+            <a:schemeClr val="lt1"/>
+          </a:fillRef>
+          <a:effectRef idx="0">
+            <a:schemeClr val="accent1"/>
+          </a:effectRef>
+          <a:fontRef idx="minor">
+            <a:schemeClr val="dk1"/>
+          </a:fontRef>
+        </p:style>
+        <p:txBody>
+          <a:bodyPr rtlCol="0" anchor="t"/>
+          <a:lstStyle/>
+          <a:p>
+            <a:pPr algn="ctr"/>
+            <a:r>
+              <a:rPr lang="fr-FR" dirty="0"/>
+              <a:t>Backend</a:t>
+            </a:r>
+          </a:p>
+          <a:p>
+            <a:pPr algn="ctr"/>
+            <a:endParaRPr lang="fr-FR" dirty="0"/>
+          </a:p>
+          <a:p>
+            <a:pPr marL="285750" indent="-285750">
+              <a:buFontTx/>
+              <a:buChar char="-"/>
+            </a:pPr>
+            <a:r>
+              <a:rPr lang="fr-FR" dirty="0"/>
+              <a:t>C# avec .net </a:t>
+            </a:r>
+            <a:r>
+              <a:rPr lang="fr-FR" dirty="0" err="1"/>
+              <a:t>core</a:t>
+            </a:r>
+            <a:endParaRPr lang="fr-FR" dirty="0"/>
+          </a:p>
+          <a:p>
+            <a:pPr marL="285750" indent="-285750">
+              <a:buFontTx/>
+              <a:buChar char="-"/>
+            </a:pPr>
+            <a:r>
+              <a:rPr lang="fr-FR" dirty="0"/>
+              <a:t>Base de données MYSQL</a:t>
+            </a:r>
+          </a:p>
+        </p:txBody>
+      </p:sp>
+    </p:spTree>
+    <p:extLst>
+      <p:ext uri="{BB962C8B-B14F-4D97-AF65-F5344CB8AC3E}">
+        <p14:creationId xmlns:p14="http://schemas.microsoft.com/office/powerpoint/2010/main" val="2124167498"/>
+      </p:ext>
+    </p:extLst>
+  </p:cSld>
+  <p:clrMapOvr>
+    <a:masterClrMapping/>
+  </p:clrMapOvr>
+</p:sld>
+</file>
+
+<file path=ppt/slides/slide6.xml><?xml version="1.0" encoding="utf-8"?>
+<p:sld xmlns:a="http://schemas.openxmlformats.org/drawingml/2006/main" xmlns:r="http://schemas.openxmlformats.org/officeDocument/2006/relationships" xmlns:p="http://schemas.openxmlformats.org/presentationml/2006/main">
+  <p:cSld>
+    <p:spTree>
+      <p:nvGrpSpPr>
+        <p:cNvPr id="1" name=""/>
+        <p:cNvGrpSpPr/>
+        <p:nvPr/>
+      </p:nvGrpSpPr>
+      <p:grpSpPr>
+        <a:xfrm>
+          <a:off x="0" y="0"/>
+          <a:ext cx="0" cy="0"/>
+          <a:chOff x="0" y="0"/>
+          <a:chExt cx="0" cy="0"/>
+        </a:xfrm>
+      </p:grpSpPr>
+      <p:sp>
+        <p:nvSpPr>
+          <p:cNvPr id="2" name="Titre 1">
+            <a:extLst>
+              <a:ext uri="{FF2B5EF4-FFF2-40B4-BE49-F238E27FC236}">
+                <a16:creationId xmlns:a16="http://schemas.microsoft.com/office/drawing/2014/main" id="{9EDC4737-64EC-4DBE-AC06-B501844C710B}"/>
+              </a:ext>
+            </a:extLst>
+          </p:cNvPr>
+          <p:cNvSpPr>
+            <a:spLocks noGrp="1"/>
+          </p:cNvSpPr>
+          <p:nvPr>
+            <p:ph type="title"/>
+          </p:nvPr>
+        </p:nvSpPr>
+        <p:spPr/>
+        <p:txBody>
+          <a:bodyPr/>
+          <a:lstStyle/>
+          <a:p>
+            <a:r>
+              <a:rPr lang="fr-FR" dirty="0"/>
+              <a:t>Planificateur de Road Trip</a:t>
+            </a:r>
+            <a:br>
+              <a:rPr lang="fr-FR" dirty="0"/>
+            </a:br>
+            <a:r>
+              <a:rPr lang="fr-FR" sz="2800" dirty="0"/>
+              <a:t>APIs</a:t>
+            </a:r>
+            <a:endParaRPr lang="fr-FR" dirty="0"/>
+          </a:p>
+        </p:txBody>
+      </p:sp>
+      <p:sp>
+        <p:nvSpPr>
+          <p:cNvPr id="4" name="Rectangle : coins arrondis 3">
+            <a:extLst>
+              <a:ext uri="{FF2B5EF4-FFF2-40B4-BE49-F238E27FC236}">
+                <a16:creationId xmlns:a16="http://schemas.microsoft.com/office/drawing/2014/main" id="{89935D43-059F-459D-A5A9-E5F02AD4E7A3}"/>
+              </a:ext>
+            </a:extLst>
+          </p:cNvPr>
+          <p:cNvSpPr/>
+          <p:nvPr/>
+        </p:nvSpPr>
+        <p:spPr>
+          <a:xfrm>
+            <a:off x="4476925" y="2895949"/>
             <a:ext cx="3238150" cy="1066101"/>
           </a:xfrm>
           <a:prstGeom prst="roundRect">
@@ -6520,13 +6876,6 @@
           <a:lstStyle/>
           <a:p>
             <a:pPr algn="ctr"/>
-            <a:r>
-              <a:rPr lang="fr-FR" dirty="0"/>
-              <a:t>Backend</a:t>
-            </a:r>
-          </a:p>
-          <a:p>
-            <a:pPr algn="ctr"/>
             <a:endParaRPr lang="fr-FR" dirty="0"/>
           </a:p>
           <a:p>
@@ -6536,20 +6885,25 @@
             </a:pPr>
             <a:r>
               <a:rPr lang="fr-FR" dirty="0"/>
-              <a:t>C# avec .net </a:t>
-            </a:r>
-            <a:r>
-              <a:rPr lang="fr-FR" dirty="0" err="1"/>
-              <a:t>core</a:t>
-            </a:r>
-            <a:endParaRPr lang="fr-FR" dirty="0"/>
+              <a:t>API Google Maps</a:t>
+            </a:r>
+          </a:p>
+          <a:p>
+            <a:pPr marL="285750" indent="-285750">
+              <a:buFontTx/>
+              <a:buChar char="-"/>
+            </a:pPr>
+            <a:r>
+              <a:rPr lang="fr-FR" dirty="0"/>
+              <a:t>(API gestion de vols)</a:t>
+            </a:r>
           </a:p>
         </p:txBody>
       </p:sp>
     </p:spTree>
     <p:extLst>
       <p:ext uri="{BB962C8B-B14F-4D97-AF65-F5344CB8AC3E}">
-        <p14:creationId xmlns:p14="http://schemas.microsoft.com/office/powerpoint/2010/main" val="2124167498"/>
+        <p14:creationId xmlns:p14="http://schemas.microsoft.com/office/powerpoint/2010/main" val="4026380805"/>
       </p:ext>
     </p:extLst>
   </p:cSld>
